--- a/presentations/Phase2_ppt.pptx
+++ b/presentations/Phase2_ppt.pptx
@@ -21,6 +21,8 @@
     <p:sldId id="266" r:id="rId18"/>
     <p:sldId id="267" r:id="rId19"/>
     <p:sldId id="268" r:id="rId20"/>
+    <p:sldId id="269" r:id="rId21"/>
+    <p:sldId id="270" r:id="rId22"/>
   </p:sldIdLst>
   <p:sldSz cx="12192000" cy="6858000"/>
   <p:notesSz cx="6858000" cy="9144000"/>
@@ -75,10 +77,10 @@
         </a:solidFill>
         <a:effectLst/>
         <a:uFillTx/>
-        <a:latin typeface="+mj-lt"/>
-        <a:ea typeface="+mj-ea"/>
-        <a:cs typeface="+mj-cs"/>
-        <a:sym typeface="Calibri"/>
+        <a:latin typeface="+mn-lt"/>
+        <a:ea typeface="+mn-ea"/>
+        <a:cs typeface="+mn-cs"/>
+        <a:sym typeface="Helvetica"/>
       </a:defRPr>
     </a:lvl1pPr>
     <a:lvl2pPr marL="0" marR="0" indent="0" algn="l" defTabSz="914400" rtl="0" fontAlgn="auto" latinLnBrk="0" hangingPunct="0">
@@ -105,10 +107,10 @@
         </a:solidFill>
         <a:effectLst/>
         <a:uFillTx/>
-        <a:latin typeface="+mj-lt"/>
-        <a:ea typeface="+mj-ea"/>
-        <a:cs typeface="+mj-cs"/>
-        <a:sym typeface="Calibri"/>
+        <a:latin typeface="+mn-lt"/>
+        <a:ea typeface="+mn-ea"/>
+        <a:cs typeface="+mn-cs"/>
+        <a:sym typeface="Helvetica"/>
       </a:defRPr>
     </a:lvl2pPr>
     <a:lvl3pPr marL="0" marR="0" indent="0" algn="l" defTabSz="914400" rtl="0" fontAlgn="auto" latinLnBrk="0" hangingPunct="0">
@@ -135,10 +137,10 @@
         </a:solidFill>
         <a:effectLst/>
         <a:uFillTx/>
-        <a:latin typeface="+mj-lt"/>
-        <a:ea typeface="+mj-ea"/>
-        <a:cs typeface="+mj-cs"/>
-        <a:sym typeface="Calibri"/>
+        <a:latin typeface="+mn-lt"/>
+        <a:ea typeface="+mn-ea"/>
+        <a:cs typeface="+mn-cs"/>
+        <a:sym typeface="Helvetica"/>
       </a:defRPr>
     </a:lvl3pPr>
     <a:lvl4pPr marL="0" marR="0" indent="0" algn="l" defTabSz="914400" rtl="0" fontAlgn="auto" latinLnBrk="0" hangingPunct="0">
@@ -165,10 +167,10 @@
         </a:solidFill>
         <a:effectLst/>
         <a:uFillTx/>
-        <a:latin typeface="+mj-lt"/>
-        <a:ea typeface="+mj-ea"/>
-        <a:cs typeface="+mj-cs"/>
-        <a:sym typeface="Calibri"/>
+        <a:latin typeface="+mn-lt"/>
+        <a:ea typeface="+mn-ea"/>
+        <a:cs typeface="+mn-cs"/>
+        <a:sym typeface="Helvetica"/>
       </a:defRPr>
     </a:lvl4pPr>
     <a:lvl5pPr marL="0" marR="0" indent="0" algn="l" defTabSz="914400" rtl="0" fontAlgn="auto" latinLnBrk="0" hangingPunct="0">
@@ -195,10 +197,10 @@
         </a:solidFill>
         <a:effectLst/>
         <a:uFillTx/>
-        <a:latin typeface="+mj-lt"/>
-        <a:ea typeface="+mj-ea"/>
-        <a:cs typeface="+mj-cs"/>
-        <a:sym typeface="Calibri"/>
+        <a:latin typeface="+mn-lt"/>
+        <a:ea typeface="+mn-ea"/>
+        <a:cs typeface="+mn-cs"/>
+        <a:sym typeface="Helvetica"/>
       </a:defRPr>
     </a:lvl5pPr>
     <a:lvl6pPr marL="0" marR="0" indent="0" algn="l" defTabSz="914400" rtl="0" fontAlgn="auto" latinLnBrk="0" hangingPunct="0">
@@ -225,10 +227,10 @@
         </a:solidFill>
         <a:effectLst/>
         <a:uFillTx/>
-        <a:latin typeface="+mj-lt"/>
-        <a:ea typeface="+mj-ea"/>
-        <a:cs typeface="+mj-cs"/>
-        <a:sym typeface="Calibri"/>
+        <a:latin typeface="+mn-lt"/>
+        <a:ea typeface="+mn-ea"/>
+        <a:cs typeface="+mn-cs"/>
+        <a:sym typeface="Helvetica"/>
       </a:defRPr>
     </a:lvl6pPr>
     <a:lvl7pPr marL="0" marR="0" indent="0" algn="l" defTabSz="914400" rtl="0" fontAlgn="auto" latinLnBrk="0" hangingPunct="0">
@@ -255,10 +257,10 @@
         </a:solidFill>
         <a:effectLst/>
         <a:uFillTx/>
-        <a:latin typeface="+mj-lt"/>
-        <a:ea typeface="+mj-ea"/>
-        <a:cs typeface="+mj-cs"/>
-        <a:sym typeface="Calibri"/>
+        <a:latin typeface="+mn-lt"/>
+        <a:ea typeface="+mn-ea"/>
+        <a:cs typeface="+mn-cs"/>
+        <a:sym typeface="Helvetica"/>
       </a:defRPr>
     </a:lvl7pPr>
     <a:lvl8pPr marL="0" marR="0" indent="0" algn="l" defTabSz="914400" rtl="0" fontAlgn="auto" latinLnBrk="0" hangingPunct="0">
@@ -285,10 +287,10 @@
         </a:solidFill>
         <a:effectLst/>
         <a:uFillTx/>
-        <a:latin typeface="+mj-lt"/>
-        <a:ea typeface="+mj-ea"/>
-        <a:cs typeface="+mj-cs"/>
-        <a:sym typeface="Calibri"/>
+        <a:latin typeface="+mn-lt"/>
+        <a:ea typeface="+mn-ea"/>
+        <a:cs typeface="+mn-cs"/>
+        <a:sym typeface="Helvetica"/>
       </a:defRPr>
     </a:lvl8pPr>
     <a:lvl9pPr marL="0" marR="0" indent="0" algn="l" defTabSz="914400" rtl="0" fontAlgn="auto" latinLnBrk="0" hangingPunct="0">
@@ -315,10 +317,10 @@
         </a:solidFill>
         <a:effectLst/>
         <a:uFillTx/>
-        <a:latin typeface="+mj-lt"/>
-        <a:ea typeface="+mj-ea"/>
-        <a:cs typeface="+mj-cs"/>
-        <a:sym typeface="Calibri"/>
+        <a:latin typeface="+mn-lt"/>
+        <a:ea typeface="+mn-ea"/>
+        <a:cs typeface="+mn-cs"/>
+        <a:sym typeface="Helvetica"/>
       </a:defRPr>
     </a:lvl9pPr>
   </p:defaultTextStyle>
@@ -536,7 +538,7 @@
         <p:spPr>
           <a:xfrm>
             <a:off x="1524000" y="3602037"/>
-            <a:ext cx="9144000" cy="1655764"/>
+            <a:ext cx="9144000" cy="1655765"/>
           </a:xfrm>
           <a:prstGeom prst="rect">
             <a:avLst/>
@@ -974,7 +976,7 @@
         <p:spPr>
           <a:xfrm>
             <a:off x="831850" y="4589462"/>
-            <a:ext cx="10515600" cy="1500189"/>
+            <a:ext cx="10515600" cy="1500190"/>
           </a:xfrm>
           <a:prstGeom prst="rect">
             <a:avLst/>
@@ -1327,7 +1329,7 @@
         <p:spPr>
           <a:xfrm>
             <a:off x="839787" y="1681163"/>
-            <a:ext cx="5157790" cy="823914"/>
+            <a:ext cx="5157790" cy="823915"/>
           </a:xfrm>
           <a:prstGeom prst="rect">
             <a:avLst/>
@@ -1690,7 +1692,7 @@
         <p:spPr>
           <a:xfrm>
             <a:off x="5183187" y="987425"/>
-            <a:ext cx="6172202" cy="4873625"/>
+            <a:ext cx="6172203" cy="4873625"/>
           </a:xfrm>
           <a:prstGeom prst="rect">
             <a:avLst/>
@@ -2150,8 +2152,8 @@
         </p:nvSpPr>
         <p:spPr>
           <a:xfrm>
-            <a:off x="11089821" y="6404293"/>
-            <a:ext cx="263980" cy="269239"/>
+            <a:off x="11089823" y="6404294"/>
+            <a:ext cx="263978" cy="269237"/>
           </a:xfrm>
           <a:prstGeom prst="rect">
             <a:avLst/>
@@ -2170,6 +2172,10 @@
                 <a:solidFill>
                   <a:srgbClr val="888888"/>
                 </a:solidFill>
+                <a:latin typeface="+mj-lt"/>
+                <a:ea typeface="+mj-ea"/>
+                <a:cs typeface="+mj-cs"/>
+                <a:sym typeface="Calibri"/>
               </a:defRPr>
             </a:lvl1pPr>
           </a:lstStyle>
@@ -3016,8 +3022,8 @@
         </p:nvSpPr>
         <p:spPr>
           <a:xfrm>
-            <a:off x="1201419" y="1813559"/>
-            <a:ext cx="10110473" cy="4992373"/>
+            <a:off x="1201419" y="1813558"/>
+            <a:ext cx="10110473" cy="4992375"/>
           </a:xfrm>
           <a:prstGeom prst="rect">
             <a:avLst/>
@@ -3240,7 +3246,7 @@
         <p:spPr>
           <a:xfrm>
             <a:off x="389254" y="311783"/>
-            <a:ext cx="1608457" cy="1317627"/>
+            <a:ext cx="1608457" cy="1317628"/>
           </a:xfrm>
           <a:prstGeom prst="rect">
             <a:avLst/>
@@ -3259,7 +3265,7 @@
         <p:spPr>
           <a:xfrm>
             <a:off x="3010534" y="495934"/>
-            <a:ext cx="7974332" cy="1070169"/>
+            <a:ext cx="7974332" cy="1070167"/>
           </a:xfrm>
           <a:prstGeom prst="rect">
             <a:avLst/>
@@ -3347,7 +3353,197 @@
       </p:grpSpPr>
       <p:sp>
         <p:nvSpPr>
-          <p:cNvPr id="129" name="Title 1"/>
+          <p:cNvPr id="129" name="BLOCK DIAGRAM"/>
+          <p:cNvSpPr txBox="1"/>
+          <p:nvPr>
+            <p:ph type="title"/>
+          </p:nvPr>
+        </p:nvSpPr>
+        <p:spPr>
+          <a:xfrm>
+            <a:off x="838200" y="130473"/>
+            <a:ext cx="10515600" cy="1257463"/>
+          </a:xfrm>
+          <a:prstGeom prst="rect">
+            <a:avLst/>
+          </a:prstGeom>
+        </p:spPr>
+        <p:txBody>
+          <a:bodyPr/>
+          <a:lstStyle>
+            <a:lvl1pPr>
+              <a:defRPr b="1" cap="all" spc="-100" sz="3900">
+                <a:solidFill>
+                  <a:srgbClr val="C00000"/>
+                </a:solidFill>
+                <a:latin typeface="Times New Roman"/>
+                <a:ea typeface="Times New Roman"/>
+                <a:cs typeface="Times New Roman"/>
+                <a:sym typeface="Times New Roman"/>
+              </a:defRPr>
+            </a:lvl1pPr>
+          </a:lstStyle>
+          <a:p>
+            <a:pPr/>
+            <a:r>
+              <a:t>Singular Value decomposition</a:t>
+            </a:r>
+          </a:p>
+        </p:txBody>
+      </p:sp>
+      <p:pic>
+        <p:nvPicPr>
+          <p:cNvPr id="130" name="Screenshot 2019-02-18 at 7.58.50 AM.png" descr="Screenshot 2019-02-18 at 7.58.50 AM.png"/>
+          <p:cNvPicPr>
+            <a:picLocks noChangeAspect="1"/>
+          </p:cNvPicPr>
+          <p:nvPr/>
+        </p:nvPicPr>
+        <p:blipFill>
+          <a:blip r:embed="rId2">
+            <a:extLst/>
+          </a:blip>
+          <a:stretch>
+            <a:fillRect/>
+          </a:stretch>
+        </p:blipFill>
+        <p:spPr>
+          <a:xfrm>
+            <a:off x="1180658" y="1708557"/>
+            <a:ext cx="9442737" cy="3440886"/>
+          </a:xfrm>
+          <a:prstGeom prst="rect">
+            <a:avLst/>
+          </a:prstGeom>
+          <a:ln w="12700">
+            <a:miter lim="400000"/>
+          </a:ln>
+        </p:spPr>
+      </p:pic>
+    </p:spTree>
+  </p:cSld>
+  <p:clrMapOvr>
+    <a:masterClrMapping/>
+  </p:clrMapOvr>
+  <p:transition xmlns:p14="http://schemas.microsoft.com/office/powerpoint/2010/main" spd="med" advClick="1"/>
+</p:sld>
+</file>
+
+<file path=ppt/slides/slide11.xml><?xml version="1.0" encoding="utf-8"?>
+<p:sld xmlns:a="http://schemas.openxmlformats.org/drawingml/2006/main" xmlns:r="http://schemas.openxmlformats.org/officeDocument/2006/relationships" xmlns:p="http://schemas.openxmlformats.org/presentationml/2006/main" xmlns:m="http://schemas.openxmlformats.org/officeDocument/2006/math" xmlns:a14="http://schemas.microsoft.com/office/drawing/2010/main" showMasterSp="1" showMasterPhAnim="1">
+  <p:cSld>
+    <p:spTree>
+      <p:nvGrpSpPr>
+        <p:cNvPr id="1" name=""/>
+        <p:cNvGrpSpPr/>
+        <p:nvPr/>
+      </p:nvGrpSpPr>
+      <p:grpSpPr>
+        <a:xfrm>
+          <a:off x="0" y="0"/>
+          <a:ext cx="0" cy="0"/>
+          <a:chOff x="0" y="0"/>
+          <a:chExt cx="0" cy="0"/>
+        </a:xfrm>
+      </p:grpSpPr>
+      <p:sp>
+        <p:nvSpPr>
+          <p:cNvPr id="132" name="BLOCK DIAGRAM"/>
+          <p:cNvSpPr txBox="1"/>
+          <p:nvPr>
+            <p:ph type="title"/>
+          </p:nvPr>
+        </p:nvSpPr>
+        <p:spPr>
+          <a:xfrm>
+            <a:off x="838200" y="130473"/>
+            <a:ext cx="10515600" cy="1257463"/>
+          </a:xfrm>
+          <a:prstGeom prst="rect">
+            <a:avLst/>
+          </a:prstGeom>
+        </p:spPr>
+        <p:txBody>
+          <a:bodyPr/>
+          <a:lstStyle>
+            <a:lvl1pPr>
+              <a:defRPr b="1" cap="all" spc="-100" sz="3900">
+                <a:solidFill>
+                  <a:srgbClr val="C00000"/>
+                </a:solidFill>
+                <a:latin typeface="Times New Roman"/>
+                <a:ea typeface="Times New Roman"/>
+                <a:cs typeface="Times New Roman"/>
+                <a:sym typeface="Times New Roman"/>
+              </a:defRPr>
+            </a:lvl1pPr>
+          </a:lstStyle>
+          <a:p>
+            <a:pPr/>
+            <a:r>
+              <a:t>LexRank and TextRank</a:t>
+            </a:r>
+          </a:p>
+        </p:txBody>
+      </p:sp>
+      <p:pic>
+        <p:nvPicPr>
+          <p:cNvPr id="133" name="ats_system_setup.png" descr="ats_system_setup.png"/>
+          <p:cNvPicPr>
+            <a:picLocks noChangeAspect="1"/>
+          </p:cNvPicPr>
+          <p:nvPr/>
+        </p:nvPicPr>
+        <p:blipFill>
+          <a:blip r:embed="rId2">
+            <a:extLst/>
+          </a:blip>
+          <a:stretch>
+            <a:fillRect/>
+          </a:stretch>
+        </p:blipFill>
+        <p:spPr>
+          <a:xfrm>
+            <a:off x="2190981" y="1387383"/>
+            <a:ext cx="7632701" cy="5130801"/>
+          </a:xfrm>
+          <a:prstGeom prst="rect">
+            <a:avLst/>
+          </a:prstGeom>
+          <a:ln w="12700">
+            <a:miter lim="400000"/>
+          </a:ln>
+        </p:spPr>
+      </p:pic>
+    </p:spTree>
+  </p:cSld>
+  <p:clrMapOvr>
+    <a:masterClrMapping/>
+  </p:clrMapOvr>
+  <p:transition xmlns:p14="http://schemas.microsoft.com/office/powerpoint/2010/main" spd="med" advClick="1"/>
+</p:sld>
+</file>
+
+<file path=ppt/slides/slide12.xml><?xml version="1.0" encoding="utf-8"?>
+<p:sld xmlns:a="http://schemas.openxmlformats.org/drawingml/2006/main" xmlns:r="http://schemas.openxmlformats.org/officeDocument/2006/relationships" xmlns:p="http://schemas.openxmlformats.org/presentationml/2006/main" xmlns:m="http://schemas.openxmlformats.org/officeDocument/2006/math" xmlns:a14="http://schemas.microsoft.com/office/drawing/2010/main" showMasterSp="1" showMasterPhAnim="1">
+  <p:cSld>
+    <p:spTree>
+      <p:nvGrpSpPr>
+        <p:cNvPr id="1" name=""/>
+        <p:cNvGrpSpPr/>
+        <p:nvPr/>
+      </p:nvGrpSpPr>
+      <p:grpSpPr>
+        <a:xfrm>
+          <a:off x="0" y="0"/>
+          <a:ext cx="0" cy="0"/>
+          <a:chOff x="0" y="0"/>
+          <a:chExt cx="0" cy="0"/>
+        </a:xfrm>
+      </p:grpSpPr>
+      <p:sp>
+        <p:nvSpPr>
+          <p:cNvPr id="135" name="Title 1"/>
           <p:cNvSpPr txBox="1"/>
           <p:nvPr>
             <p:ph type="title"/>
@@ -3387,7 +3583,7 @@
       </p:sp>
       <p:pic>
         <p:nvPicPr>
-          <p:cNvPr id="130" name="Screenshot 2019-02-17 at 8.30.04 AM.png" descr="Screenshot 2019-02-17 at 8.30.04 AM.png"/>
+          <p:cNvPr id="136" name="Screenshot 2019-02-17 at 8.30.04 AM.png" descr="Screenshot 2019-02-17 at 8.30.04 AM.png"/>
           <p:cNvPicPr>
             <a:picLocks noChangeAspect="1"/>
           </p:cNvPicPr>
@@ -3403,8 +3599,8 @@
         </p:blipFill>
         <p:spPr>
           <a:xfrm>
-            <a:off x="447662" y="2987902"/>
-            <a:ext cx="11423676" cy="2935806"/>
+            <a:off x="447662" y="2987901"/>
+            <a:ext cx="11423677" cy="2935807"/>
           </a:xfrm>
           <a:prstGeom prst="rect">
             <a:avLst/>
@@ -3416,14 +3612,14 @@
       </p:pic>
       <p:sp>
         <p:nvSpPr>
-          <p:cNvPr id="131" name="Importing basic modules and Natural Language Toolkit library for NLP operations. Loading one of the many datasets as a data frame."/>
+          <p:cNvPr id="137" name="Importing basic modules and Natural Language Toolkit library for NLP operations. Loading one of the many datasets as a data frame."/>
           <p:cNvSpPr txBox="1"/>
           <p:nvPr/>
         </p:nvSpPr>
         <p:spPr>
           <a:xfrm>
-            <a:off x="902509" y="1633144"/>
-            <a:ext cx="8539663" cy="1104901"/>
+            <a:off x="902508" y="1633143"/>
+            <a:ext cx="8539665" cy="1104901"/>
           </a:xfrm>
           <a:prstGeom prst="rect">
             <a:avLst/>
@@ -3443,283 +3639,18 @@
           </a:bodyPr>
           <a:lstStyle>
             <a:lvl1pPr>
-              <a:defRPr sz="2500"/>
-            </a:lvl1pPr>
-          </a:lstStyle>
-          <a:p>
-            <a:pPr/>
-            <a:r>
-              <a:t>Importing basic modules and Natural Language Toolkit library for NLP operations. Loading one of the many datasets as a data frame.</a:t>
-            </a:r>
-          </a:p>
-        </p:txBody>
-      </p:sp>
-    </p:spTree>
-  </p:cSld>
-  <p:clrMapOvr>
-    <a:masterClrMapping/>
-  </p:clrMapOvr>
-  <p:transition xmlns:p14="http://schemas.microsoft.com/office/powerpoint/2010/main" spd="med" advClick="1"/>
-</p:sld>
-</file>
-
-<file path=ppt/slides/slide11.xml><?xml version="1.0" encoding="utf-8"?>
-<p:sld xmlns:a="http://schemas.openxmlformats.org/drawingml/2006/main" xmlns:r="http://schemas.openxmlformats.org/officeDocument/2006/relationships" xmlns:p="http://schemas.openxmlformats.org/presentationml/2006/main" xmlns:m="http://schemas.openxmlformats.org/officeDocument/2006/math" xmlns:a14="http://schemas.microsoft.com/office/drawing/2010/main" showMasterSp="1" showMasterPhAnim="1">
-  <p:cSld>
-    <p:spTree>
-      <p:nvGrpSpPr>
-        <p:cNvPr id="1" name=""/>
-        <p:cNvGrpSpPr/>
-        <p:nvPr/>
-      </p:nvGrpSpPr>
-      <p:grpSpPr>
-        <a:xfrm>
-          <a:off x="0" y="0"/>
-          <a:ext cx="0" cy="0"/>
-          <a:chOff x="0" y="0"/>
-          <a:chExt cx="0" cy="0"/>
-        </a:xfrm>
-      </p:grpSpPr>
-      <p:sp>
-        <p:nvSpPr>
-          <p:cNvPr id="133" name="Partial Implementation"/>
-          <p:cNvSpPr txBox="1"/>
-          <p:nvPr>
-            <p:ph type="title"/>
-          </p:nvPr>
-        </p:nvSpPr>
-        <p:spPr>
-          <a:xfrm>
-            <a:off x="838200" y="365125"/>
-            <a:ext cx="10515600" cy="1325563"/>
-          </a:xfrm>
-          <a:prstGeom prst="rect">
-            <a:avLst/>
-          </a:prstGeom>
-        </p:spPr>
-        <p:txBody>
-          <a:bodyPr/>
-          <a:lstStyle>
-            <a:lvl1pPr>
-              <a:defRPr b="1" cap="all" spc="-100" sz="3900">
-                <a:solidFill>
-                  <a:srgbClr val="C00000"/>
-                </a:solidFill>
-                <a:latin typeface="Times New Roman"/>
-                <a:ea typeface="Times New Roman"/>
-                <a:cs typeface="Times New Roman"/>
-                <a:sym typeface="Times New Roman"/>
+              <a:defRPr sz="2500">
+                <a:latin typeface="+mj-lt"/>
+                <a:ea typeface="+mj-ea"/>
+                <a:cs typeface="+mj-cs"/>
+                <a:sym typeface="Calibri"/>
               </a:defRPr>
             </a:lvl1pPr>
           </a:lstStyle>
           <a:p>
             <a:pPr/>
             <a:r>
-              <a:t>Work in progress ( Continued )</a:t>
-            </a:r>
-          </a:p>
-        </p:txBody>
-      </p:sp>
-      <p:pic>
-        <p:nvPicPr>
-          <p:cNvPr id="134" name="Screenshot 2019-02-17 at 8.50.44 AM.png" descr="Screenshot 2019-02-17 at 8.50.44 AM.png"/>
-          <p:cNvPicPr>
-            <a:picLocks noChangeAspect="1"/>
-          </p:cNvPicPr>
-          <p:nvPr/>
-        </p:nvPicPr>
-        <p:blipFill>
-          <a:blip r:embed="rId2">
-            <a:extLst/>
-          </a:blip>
-          <a:stretch>
-            <a:fillRect/>
-          </a:stretch>
-        </p:blipFill>
-        <p:spPr>
-          <a:xfrm>
-            <a:off x="676837" y="3186337"/>
-            <a:ext cx="10796829" cy="2244887"/>
-          </a:xfrm>
-          <a:prstGeom prst="rect">
-            <a:avLst/>
-          </a:prstGeom>
-          <a:ln w="12700">
-            <a:miter lim="400000"/>
-          </a:ln>
-        </p:spPr>
-      </p:pic>
-      <p:sp>
-        <p:nvSpPr>
-          <p:cNvPr id="135" name="Splitting articles into array of individual sentences using builtin method sent_tokenize() of ‘nltk’ module"/>
-          <p:cNvSpPr txBox="1"/>
-          <p:nvPr/>
-        </p:nvSpPr>
-        <p:spPr>
-          <a:xfrm>
-            <a:off x="856788" y="1754297"/>
-            <a:ext cx="8973985" cy="736601"/>
-          </a:xfrm>
-          <a:prstGeom prst="rect">
-            <a:avLst/>
-          </a:prstGeom>
-          <a:ln w="12700">
-            <a:miter lim="400000"/>
-          </a:ln>
-          <a:extLst>
-            <a:ext uri="{C572A759-6A51-4108-AA02-DFA0A04FC94B}">
-              <ma14:wrappingTextBoxFlag xmlns:ma14="http://schemas.microsoft.com/office/mac/drawingml/2011/main" val="1"/>
-            </a:ext>
-          </a:extLst>
-        </p:spPr>
-        <p:txBody>
-          <a:bodyPr lIns="0" tIns="0" rIns="0" bIns="0">
-            <a:spAutoFit/>
-          </a:bodyPr>
-          <a:lstStyle>
-            <a:lvl1pPr>
-              <a:defRPr sz="2500"/>
-            </a:lvl1pPr>
-          </a:lstStyle>
-          <a:p>
-            <a:pPr/>
-            <a:r>
-              <a:t>Splitting articles into array of individual sentences using builtin method sent_tokenize() of ‘nltk’ module</a:t>
-            </a:r>
-          </a:p>
-        </p:txBody>
-      </p:sp>
-    </p:spTree>
-  </p:cSld>
-  <p:clrMapOvr>
-    <a:masterClrMapping/>
-  </p:clrMapOvr>
-  <p:transition xmlns:p14="http://schemas.microsoft.com/office/powerpoint/2010/main" spd="med" advClick="1"/>
-</p:sld>
-</file>
-
-<file path=ppt/slides/slide12.xml><?xml version="1.0" encoding="utf-8"?>
-<p:sld xmlns:a="http://schemas.openxmlformats.org/drawingml/2006/main" xmlns:r="http://schemas.openxmlformats.org/officeDocument/2006/relationships" xmlns:p="http://schemas.openxmlformats.org/presentationml/2006/main" xmlns:m="http://schemas.openxmlformats.org/officeDocument/2006/math" xmlns:a14="http://schemas.microsoft.com/office/drawing/2010/main" showMasterSp="1" showMasterPhAnim="1">
-  <p:cSld>
-    <p:spTree>
-      <p:nvGrpSpPr>
-        <p:cNvPr id="1" name=""/>
-        <p:cNvGrpSpPr/>
-        <p:nvPr/>
-      </p:nvGrpSpPr>
-      <p:grpSpPr>
-        <a:xfrm>
-          <a:off x="0" y="0"/>
-          <a:ext cx="0" cy="0"/>
-          <a:chOff x="0" y="0"/>
-          <a:chExt cx="0" cy="0"/>
-        </a:xfrm>
-      </p:grpSpPr>
-      <p:sp>
-        <p:nvSpPr>
-          <p:cNvPr id="137" name="Title 1"/>
-          <p:cNvSpPr txBox="1"/>
-          <p:nvPr>
-            <p:ph type="title"/>
-          </p:nvPr>
-        </p:nvSpPr>
-        <p:spPr>
-          <a:xfrm>
-            <a:off x="838200" y="365125"/>
-            <a:ext cx="10515600" cy="1325563"/>
-          </a:xfrm>
-          <a:prstGeom prst="rect">
-            <a:avLst/>
-          </a:prstGeom>
-        </p:spPr>
-        <p:txBody>
-          <a:bodyPr/>
-          <a:lstStyle>
-            <a:lvl1pPr>
-              <a:defRPr b="1" cap="all" spc="-100" sz="3900">
-                <a:solidFill>
-                  <a:srgbClr val="C00000"/>
-                </a:solidFill>
-                <a:latin typeface="Times New Roman"/>
-                <a:ea typeface="Times New Roman"/>
-                <a:cs typeface="Times New Roman"/>
-                <a:sym typeface="Times New Roman"/>
-              </a:defRPr>
-            </a:lvl1pPr>
-          </a:lstStyle>
-          <a:p>
-            <a:pPr/>
-            <a:r>
-              <a:t>Work in progress ( Continued )</a:t>
-            </a:r>
-          </a:p>
-        </p:txBody>
-      </p:sp>
-      <p:pic>
-        <p:nvPicPr>
-          <p:cNvPr id="138" name="Screenshot 2019-02-17 at 8.57.05 AM.png" descr="Screenshot 2019-02-17 at 8.57.05 AM.png"/>
-          <p:cNvPicPr>
-            <a:picLocks noChangeAspect="1"/>
-          </p:cNvPicPr>
-          <p:nvPr/>
-        </p:nvPicPr>
-        <p:blipFill>
-          <a:blip r:embed="rId2">
-            <a:extLst/>
-          </a:blip>
-          <a:stretch>
-            <a:fillRect/>
-          </a:stretch>
-        </p:blipFill>
-        <p:spPr>
-          <a:xfrm>
-            <a:off x="947051" y="2937130"/>
-            <a:ext cx="8165863" cy="3446736"/>
-          </a:xfrm>
-          <a:prstGeom prst="rect">
-            <a:avLst/>
-          </a:prstGeom>
-          <a:ln w="12700">
-            <a:miter lim="400000"/>
-          </a:ln>
-        </p:spPr>
-      </p:pic>
-      <p:sp>
-        <p:nvSpPr>
-          <p:cNvPr id="139" name="Word-embeddings are represented as GloVe (Global Vectors) which are trained on  Wikipedia 2014 dump + Gigaword 5 corpus"/>
-          <p:cNvSpPr txBox="1"/>
-          <p:nvPr/>
-        </p:nvSpPr>
-        <p:spPr>
-          <a:xfrm>
-            <a:off x="856788" y="1754297"/>
-            <a:ext cx="8973985" cy="1104901"/>
-          </a:xfrm>
-          <a:prstGeom prst="rect">
-            <a:avLst/>
-          </a:prstGeom>
-          <a:ln w="12700">
-            <a:miter lim="400000"/>
-          </a:ln>
-          <a:extLst>
-            <a:ext uri="{C572A759-6A51-4108-AA02-DFA0A04FC94B}">
-              <ma14:wrappingTextBoxFlag xmlns:ma14="http://schemas.microsoft.com/office/mac/drawingml/2011/main" val="1"/>
-            </a:ext>
-          </a:extLst>
-        </p:spPr>
-        <p:txBody>
-          <a:bodyPr lIns="0" tIns="0" rIns="0" bIns="0">
-            <a:spAutoFit/>
-          </a:bodyPr>
-          <a:lstStyle>
-            <a:lvl1pPr>
-              <a:defRPr sz="2500"/>
-            </a:lvl1pPr>
-          </a:lstStyle>
-          <a:p>
-            <a:pPr/>
-            <a:r>
-              <a:t>Word-embeddings are represented as GloVe (Global Vectors) which are trained on  Wikipedia 2014 dump + Gigaword 5 corpus</a:t>
+              <a:t>Importing basic modules and Natural Language Toolkit library for NLP operations. Loading one of the many datasets as a data frame.</a:t>
             </a:r>
           </a:p>
         </p:txBody>
@@ -3752,7 +3683,7 @@
       </p:grpSpPr>
       <p:sp>
         <p:nvSpPr>
-          <p:cNvPr id="141" name="Title 1"/>
+          <p:cNvPr id="139" name="Partial Implementation"/>
           <p:cNvSpPr txBox="1"/>
           <p:nvPr>
             <p:ph type="title"/>
@@ -3785,6 +3716,286 @@
           <a:p>
             <a:pPr/>
             <a:r>
+              <a:t>Work in progress ( Continued )</a:t>
+            </a:r>
+          </a:p>
+        </p:txBody>
+      </p:sp>
+      <p:pic>
+        <p:nvPicPr>
+          <p:cNvPr id="140" name="Screenshot 2019-02-17 at 8.50.44 AM.png" descr="Screenshot 2019-02-17 at 8.50.44 AM.png"/>
+          <p:cNvPicPr>
+            <a:picLocks noChangeAspect="1"/>
+          </p:cNvPicPr>
+          <p:nvPr/>
+        </p:nvPicPr>
+        <p:blipFill>
+          <a:blip r:embed="rId2">
+            <a:extLst/>
+          </a:blip>
+          <a:stretch>
+            <a:fillRect/>
+          </a:stretch>
+        </p:blipFill>
+        <p:spPr>
+          <a:xfrm>
+            <a:off x="676836" y="3186336"/>
+            <a:ext cx="10796831" cy="2244888"/>
+          </a:xfrm>
+          <a:prstGeom prst="rect">
+            <a:avLst/>
+          </a:prstGeom>
+          <a:ln w="12700">
+            <a:miter lim="400000"/>
+          </a:ln>
+        </p:spPr>
+      </p:pic>
+      <p:sp>
+        <p:nvSpPr>
+          <p:cNvPr id="141" name="Splitting articles into array of individual sentences using builtin method sent_tokenize() of ‘nltk’ module"/>
+          <p:cNvSpPr txBox="1"/>
+          <p:nvPr/>
+        </p:nvSpPr>
+        <p:spPr>
+          <a:xfrm>
+            <a:off x="856788" y="1754296"/>
+            <a:ext cx="8973985" cy="736601"/>
+          </a:xfrm>
+          <a:prstGeom prst="rect">
+            <a:avLst/>
+          </a:prstGeom>
+          <a:ln w="12700">
+            <a:miter lim="400000"/>
+          </a:ln>
+          <a:extLst>
+            <a:ext uri="{C572A759-6A51-4108-AA02-DFA0A04FC94B}">
+              <ma14:wrappingTextBoxFlag xmlns:ma14="http://schemas.microsoft.com/office/mac/drawingml/2011/main" val="1"/>
+            </a:ext>
+          </a:extLst>
+        </p:spPr>
+        <p:txBody>
+          <a:bodyPr lIns="0" tIns="0" rIns="0" bIns="0">
+            <a:spAutoFit/>
+          </a:bodyPr>
+          <a:lstStyle>
+            <a:lvl1pPr>
+              <a:defRPr sz="2500">
+                <a:latin typeface="+mj-lt"/>
+                <a:ea typeface="+mj-ea"/>
+                <a:cs typeface="+mj-cs"/>
+                <a:sym typeface="Calibri"/>
+              </a:defRPr>
+            </a:lvl1pPr>
+          </a:lstStyle>
+          <a:p>
+            <a:pPr/>
+            <a:r>
+              <a:t>Splitting articles into array of individual sentences using builtin method sent_tokenize() of ‘nltk’ module</a:t>
+            </a:r>
+          </a:p>
+        </p:txBody>
+      </p:sp>
+    </p:spTree>
+  </p:cSld>
+  <p:clrMapOvr>
+    <a:masterClrMapping/>
+  </p:clrMapOvr>
+  <p:transition xmlns:p14="http://schemas.microsoft.com/office/powerpoint/2010/main" spd="med" advClick="1"/>
+</p:sld>
+</file>
+
+<file path=ppt/slides/slide14.xml><?xml version="1.0" encoding="utf-8"?>
+<p:sld xmlns:a="http://schemas.openxmlformats.org/drawingml/2006/main" xmlns:r="http://schemas.openxmlformats.org/officeDocument/2006/relationships" xmlns:p="http://schemas.openxmlformats.org/presentationml/2006/main" xmlns:m="http://schemas.openxmlformats.org/officeDocument/2006/math" xmlns:a14="http://schemas.microsoft.com/office/drawing/2010/main" showMasterSp="1" showMasterPhAnim="1">
+  <p:cSld>
+    <p:spTree>
+      <p:nvGrpSpPr>
+        <p:cNvPr id="1" name=""/>
+        <p:cNvGrpSpPr/>
+        <p:nvPr/>
+      </p:nvGrpSpPr>
+      <p:grpSpPr>
+        <a:xfrm>
+          <a:off x="0" y="0"/>
+          <a:ext cx="0" cy="0"/>
+          <a:chOff x="0" y="0"/>
+          <a:chExt cx="0" cy="0"/>
+        </a:xfrm>
+      </p:grpSpPr>
+      <p:sp>
+        <p:nvSpPr>
+          <p:cNvPr id="143" name="Title 1"/>
+          <p:cNvSpPr txBox="1"/>
+          <p:nvPr>
+            <p:ph type="title"/>
+          </p:nvPr>
+        </p:nvSpPr>
+        <p:spPr>
+          <a:xfrm>
+            <a:off x="838200" y="365125"/>
+            <a:ext cx="10515600" cy="1325563"/>
+          </a:xfrm>
+          <a:prstGeom prst="rect">
+            <a:avLst/>
+          </a:prstGeom>
+        </p:spPr>
+        <p:txBody>
+          <a:bodyPr/>
+          <a:lstStyle>
+            <a:lvl1pPr>
+              <a:defRPr b="1" cap="all" spc="-100" sz="3900">
+                <a:solidFill>
+                  <a:srgbClr val="C00000"/>
+                </a:solidFill>
+                <a:latin typeface="Times New Roman"/>
+                <a:ea typeface="Times New Roman"/>
+                <a:cs typeface="Times New Roman"/>
+                <a:sym typeface="Times New Roman"/>
+              </a:defRPr>
+            </a:lvl1pPr>
+          </a:lstStyle>
+          <a:p>
+            <a:pPr/>
+            <a:r>
+              <a:t>Work in progress ( Continued )</a:t>
+            </a:r>
+          </a:p>
+        </p:txBody>
+      </p:sp>
+      <p:pic>
+        <p:nvPicPr>
+          <p:cNvPr id="144" name="Screenshot 2019-02-17 at 8.57.05 AM.png" descr="Screenshot 2019-02-17 at 8.57.05 AM.png"/>
+          <p:cNvPicPr>
+            <a:picLocks noChangeAspect="1"/>
+          </p:cNvPicPr>
+          <p:nvPr/>
+        </p:nvPicPr>
+        <p:blipFill>
+          <a:blip r:embed="rId2">
+            <a:extLst/>
+          </a:blip>
+          <a:stretch>
+            <a:fillRect/>
+          </a:stretch>
+        </p:blipFill>
+        <p:spPr>
+          <a:xfrm>
+            <a:off x="947051" y="2937130"/>
+            <a:ext cx="8165863" cy="3446737"/>
+          </a:xfrm>
+          <a:prstGeom prst="rect">
+            <a:avLst/>
+          </a:prstGeom>
+          <a:ln w="12700">
+            <a:miter lim="400000"/>
+          </a:ln>
+        </p:spPr>
+      </p:pic>
+      <p:sp>
+        <p:nvSpPr>
+          <p:cNvPr id="145" name="Word-embeddings are represented as GloVe (Global Vectors) which are trained on  Wikipedia 2014 dump + Gigaword 5 corpus"/>
+          <p:cNvSpPr txBox="1"/>
+          <p:nvPr/>
+        </p:nvSpPr>
+        <p:spPr>
+          <a:xfrm>
+            <a:off x="856788" y="1754297"/>
+            <a:ext cx="8973985" cy="1104901"/>
+          </a:xfrm>
+          <a:prstGeom prst="rect">
+            <a:avLst/>
+          </a:prstGeom>
+          <a:ln w="12700">
+            <a:miter lim="400000"/>
+          </a:ln>
+          <a:extLst>
+            <a:ext uri="{C572A759-6A51-4108-AA02-DFA0A04FC94B}">
+              <ma14:wrappingTextBoxFlag xmlns:ma14="http://schemas.microsoft.com/office/mac/drawingml/2011/main" val="1"/>
+            </a:ext>
+          </a:extLst>
+        </p:spPr>
+        <p:txBody>
+          <a:bodyPr lIns="0" tIns="0" rIns="0" bIns="0">
+            <a:spAutoFit/>
+          </a:bodyPr>
+          <a:lstStyle>
+            <a:lvl1pPr>
+              <a:defRPr sz="2500">
+                <a:latin typeface="+mj-lt"/>
+                <a:ea typeface="+mj-ea"/>
+                <a:cs typeface="+mj-cs"/>
+                <a:sym typeface="Calibri"/>
+              </a:defRPr>
+            </a:lvl1pPr>
+          </a:lstStyle>
+          <a:p>
+            <a:pPr/>
+            <a:r>
+              <a:t>Word-embeddings are represented as GloVe (Global Vectors) which are trained on  Wikipedia 2014 dump + Gigaword 5 corpus</a:t>
+            </a:r>
+          </a:p>
+        </p:txBody>
+      </p:sp>
+    </p:spTree>
+  </p:cSld>
+  <p:clrMapOvr>
+    <a:masterClrMapping/>
+  </p:clrMapOvr>
+  <p:transition xmlns:p14="http://schemas.microsoft.com/office/powerpoint/2010/main" spd="med" advClick="1"/>
+</p:sld>
+</file>
+
+<file path=ppt/slides/slide15.xml><?xml version="1.0" encoding="utf-8"?>
+<p:sld xmlns:a="http://schemas.openxmlformats.org/drawingml/2006/main" xmlns:r="http://schemas.openxmlformats.org/officeDocument/2006/relationships" xmlns:p="http://schemas.openxmlformats.org/presentationml/2006/main" xmlns:m="http://schemas.openxmlformats.org/officeDocument/2006/math" xmlns:a14="http://schemas.microsoft.com/office/drawing/2010/main" showMasterSp="1" showMasterPhAnim="1">
+  <p:cSld>
+    <p:spTree>
+      <p:nvGrpSpPr>
+        <p:cNvPr id="1" name=""/>
+        <p:cNvGrpSpPr/>
+        <p:nvPr/>
+      </p:nvGrpSpPr>
+      <p:grpSpPr>
+        <a:xfrm>
+          <a:off x="0" y="0"/>
+          <a:ext cx="0" cy="0"/>
+          <a:chOff x="0" y="0"/>
+          <a:chExt cx="0" cy="0"/>
+        </a:xfrm>
+      </p:grpSpPr>
+      <p:sp>
+        <p:nvSpPr>
+          <p:cNvPr id="147" name="Title 1"/>
+          <p:cNvSpPr txBox="1"/>
+          <p:nvPr>
+            <p:ph type="title"/>
+          </p:nvPr>
+        </p:nvSpPr>
+        <p:spPr>
+          <a:xfrm>
+            <a:off x="838200" y="365125"/>
+            <a:ext cx="10515600" cy="1325563"/>
+          </a:xfrm>
+          <a:prstGeom prst="rect">
+            <a:avLst/>
+          </a:prstGeom>
+        </p:spPr>
+        <p:txBody>
+          <a:bodyPr/>
+          <a:lstStyle>
+            <a:lvl1pPr>
+              <a:defRPr b="1" cap="all" spc="-100" sz="3900">
+                <a:solidFill>
+                  <a:srgbClr val="C00000"/>
+                </a:solidFill>
+                <a:latin typeface="Times New Roman"/>
+                <a:ea typeface="Times New Roman"/>
+                <a:cs typeface="Times New Roman"/>
+                <a:sym typeface="Times New Roman"/>
+              </a:defRPr>
+            </a:lvl1pPr>
+          </a:lstStyle>
+          <a:p>
+            <a:pPr/>
+            <a:r>
               <a:t>References</a:t>
             </a:r>
           </a:p>
@@ -3792,7 +4003,7 @@
       </p:sp>
       <p:sp>
         <p:nvSpPr>
-          <p:cNvPr id="142" name="Content Placeholder 2"/>
+          <p:cNvPr id="148" name="Content Placeholder 2"/>
           <p:cNvSpPr txBox="1"/>
           <p:nvPr>
             <p:ph type="body" idx="1"/>
@@ -3909,7 +4120,7 @@
               <a:t>[3] Siya Sadashiv Naik, Manisha Naik Gaonkar. “Extractive Text Summarization By Feature-Based Sentence Extraction Using Rule-Based Concept”, 2017 2</a:t>
             </a:r>
             <a:r>
-              <a:rPr baseline="23187"/>
+              <a:rPr baseline="23186"/>
               <a:t>nd </a:t>
             </a:r>
             <a:r>
@@ -4451,8 +4662,8 @@
         </p:blipFill>
         <p:spPr>
           <a:xfrm>
-            <a:off x="2362439" y="1510036"/>
-            <a:ext cx="7467122" cy="4799180"/>
+            <a:off x="2362438" y="1510036"/>
+            <a:ext cx="7467123" cy="4799180"/>
           </a:xfrm>
           <a:prstGeom prst="rect">
             <a:avLst/>
@@ -4546,8 +4757,8 @@
         </p:blipFill>
         <p:spPr>
           <a:xfrm>
-            <a:off x="1556383" y="1755420"/>
-            <a:ext cx="9079233" cy="4351658"/>
+            <a:off x="1556383" y="1755419"/>
+            <a:ext cx="9079233" cy="4351660"/>
           </a:xfrm>
           <a:prstGeom prst="rect">
             <a:avLst/>
@@ -4642,7 +4853,7 @@
         <p:spPr>
           <a:xfrm>
             <a:off x="3435348" y="1327892"/>
-            <a:ext cx="5321302" cy="5207003"/>
+            <a:ext cx="5321302" cy="5207004"/>
           </a:xfrm>
           <a:prstGeom prst="rect">
             <a:avLst/>
@@ -4831,8 +5042,8 @@
         </p:blipFill>
         <p:spPr>
           <a:xfrm>
-            <a:off x="2085995" y="1659277"/>
-            <a:ext cx="8020010" cy="4682001"/>
+            <a:off x="2085994" y="1659277"/>
+            <a:ext cx="8020011" cy="4682002"/>
           </a:xfrm>
           <a:prstGeom prst="rect">
             <a:avLst/>
@@ -5082,10 +5293,10 @@
             </a:solidFill>
             <a:effectLst/>
             <a:uFillTx/>
-            <a:latin typeface="+mj-lt"/>
-            <a:ea typeface="+mj-ea"/>
-            <a:cs typeface="+mj-cs"/>
-            <a:sym typeface="Calibri"/>
+            <a:latin typeface="+mn-lt"/>
+            <a:ea typeface="+mn-ea"/>
+            <a:cs typeface="+mn-cs"/>
+            <a:sym typeface="Helvetica"/>
           </a:defRPr>
         </a:defPPr>
         <a:lvl1pPr marL="0" marR="0" indent="0" algn="l" defTabSz="914400" rtl="0" fontAlgn="auto" latinLnBrk="1" hangingPunct="0">
@@ -5653,10 +5864,10 @@
             </a:solidFill>
             <a:effectLst/>
             <a:uFillTx/>
-            <a:latin typeface="+mj-lt"/>
-            <a:ea typeface="+mj-ea"/>
-            <a:cs typeface="+mj-cs"/>
-            <a:sym typeface="Calibri"/>
+            <a:latin typeface="+mn-lt"/>
+            <a:ea typeface="+mn-ea"/>
+            <a:cs typeface="+mn-cs"/>
+            <a:sym typeface="Helvetica"/>
           </a:defRPr>
         </a:defPPr>
         <a:lvl1pPr marL="0" marR="0" indent="0" algn="l" defTabSz="914400" rtl="0" fontAlgn="auto" latinLnBrk="1" hangingPunct="0">
@@ -6136,10 +6347,10 @@
             </a:solidFill>
             <a:effectLst/>
             <a:uFillTx/>
-            <a:latin typeface="+mj-lt"/>
-            <a:ea typeface="+mj-ea"/>
-            <a:cs typeface="+mj-cs"/>
-            <a:sym typeface="Calibri"/>
+            <a:latin typeface="+mn-lt"/>
+            <a:ea typeface="+mn-ea"/>
+            <a:cs typeface="+mn-cs"/>
+            <a:sym typeface="Helvetica"/>
           </a:defRPr>
         </a:defPPr>
         <a:lvl1pPr marL="0" marR="0" indent="0" algn="l" defTabSz="914400" rtl="0" fontAlgn="auto" latinLnBrk="1" hangingPunct="0">
@@ -6707,10 +6918,10 @@
             </a:solidFill>
             <a:effectLst/>
             <a:uFillTx/>
-            <a:latin typeface="+mj-lt"/>
-            <a:ea typeface="+mj-ea"/>
-            <a:cs typeface="+mj-cs"/>
-            <a:sym typeface="Calibri"/>
+            <a:latin typeface="+mn-lt"/>
+            <a:ea typeface="+mn-ea"/>
+            <a:cs typeface="+mn-cs"/>
+            <a:sym typeface="Helvetica"/>
           </a:defRPr>
         </a:defPPr>
         <a:lvl1pPr marL="0" marR="0" indent="0" algn="l" defTabSz="914400" rtl="0" fontAlgn="auto" latinLnBrk="1" hangingPunct="0">

--- a/presentations/Phase2_ppt.pptx
+++ b/presentations/Phase2_ppt.pptx
@@ -22,7 +22,6 @@
     <p:sldId id="267" r:id="rId19"/>
     <p:sldId id="268" r:id="rId20"/>
     <p:sldId id="269" r:id="rId21"/>
-    <p:sldId id="270" r:id="rId22"/>
   </p:sldIdLst>
   <p:sldSz cx="12192000" cy="6858000"/>
   <p:notesSz cx="6858000" cy="9144000"/>
@@ -3386,14 +3385,14 @@
           <a:p>
             <a:pPr/>
             <a:r>
-              <a:t>Singular Value decomposition</a:t>
+              <a:t>LexRank and TextRank</a:t>
             </a:r>
           </a:p>
         </p:txBody>
       </p:sp>
       <p:pic>
         <p:nvPicPr>
-          <p:cNvPr id="130" name="Screenshot 2019-02-18 at 7.58.50 AM.png" descr="Screenshot 2019-02-18 at 7.58.50 AM.png"/>
+          <p:cNvPr id="130" name="ats_system_setup.png" descr="ats_system_setup.png"/>
           <p:cNvPicPr>
             <a:picLocks noChangeAspect="1"/>
           </p:cNvPicPr>
@@ -3409,8 +3408,8 @@
         </p:blipFill>
         <p:spPr>
           <a:xfrm>
-            <a:off x="1180658" y="1708557"/>
-            <a:ext cx="9442737" cy="3440886"/>
+            <a:off x="2190981" y="1387383"/>
+            <a:ext cx="7632701" cy="5130801"/>
           </a:xfrm>
           <a:prstGeom prst="rect">
             <a:avLst/>
@@ -3448,102 +3447,7 @@
       </p:grpSpPr>
       <p:sp>
         <p:nvSpPr>
-          <p:cNvPr id="132" name="BLOCK DIAGRAM"/>
-          <p:cNvSpPr txBox="1"/>
-          <p:nvPr>
-            <p:ph type="title"/>
-          </p:nvPr>
-        </p:nvSpPr>
-        <p:spPr>
-          <a:xfrm>
-            <a:off x="838200" y="130473"/>
-            <a:ext cx="10515600" cy="1257463"/>
-          </a:xfrm>
-          <a:prstGeom prst="rect">
-            <a:avLst/>
-          </a:prstGeom>
-        </p:spPr>
-        <p:txBody>
-          <a:bodyPr/>
-          <a:lstStyle>
-            <a:lvl1pPr>
-              <a:defRPr b="1" cap="all" spc="-100" sz="3900">
-                <a:solidFill>
-                  <a:srgbClr val="C00000"/>
-                </a:solidFill>
-                <a:latin typeface="Times New Roman"/>
-                <a:ea typeface="Times New Roman"/>
-                <a:cs typeface="Times New Roman"/>
-                <a:sym typeface="Times New Roman"/>
-              </a:defRPr>
-            </a:lvl1pPr>
-          </a:lstStyle>
-          <a:p>
-            <a:pPr/>
-            <a:r>
-              <a:t>LexRank and TextRank</a:t>
-            </a:r>
-          </a:p>
-        </p:txBody>
-      </p:sp>
-      <p:pic>
-        <p:nvPicPr>
-          <p:cNvPr id="133" name="ats_system_setup.png" descr="ats_system_setup.png"/>
-          <p:cNvPicPr>
-            <a:picLocks noChangeAspect="1"/>
-          </p:cNvPicPr>
-          <p:nvPr/>
-        </p:nvPicPr>
-        <p:blipFill>
-          <a:blip r:embed="rId2">
-            <a:extLst/>
-          </a:blip>
-          <a:stretch>
-            <a:fillRect/>
-          </a:stretch>
-        </p:blipFill>
-        <p:spPr>
-          <a:xfrm>
-            <a:off x="2190981" y="1387383"/>
-            <a:ext cx="7632701" cy="5130801"/>
-          </a:xfrm>
-          <a:prstGeom prst="rect">
-            <a:avLst/>
-          </a:prstGeom>
-          <a:ln w="12700">
-            <a:miter lim="400000"/>
-          </a:ln>
-        </p:spPr>
-      </p:pic>
-    </p:spTree>
-  </p:cSld>
-  <p:clrMapOvr>
-    <a:masterClrMapping/>
-  </p:clrMapOvr>
-  <p:transition xmlns:p14="http://schemas.microsoft.com/office/powerpoint/2010/main" spd="med" advClick="1"/>
-</p:sld>
-</file>
-
-<file path=ppt/slides/slide12.xml><?xml version="1.0" encoding="utf-8"?>
-<p:sld xmlns:a="http://schemas.openxmlformats.org/drawingml/2006/main" xmlns:r="http://schemas.openxmlformats.org/officeDocument/2006/relationships" xmlns:p="http://schemas.openxmlformats.org/presentationml/2006/main" xmlns:m="http://schemas.openxmlformats.org/officeDocument/2006/math" xmlns:a14="http://schemas.microsoft.com/office/drawing/2010/main" showMasterSp="1" showMasterPhAnim="1">
-  <p:cSld>
-    <p:spTree>
-      <p:nvGrpSpPr>
-        <p:cNvPr id="1" name=""/>
-        <p:cNvGrpSpPr/>
-        <p:nvPr/>
-      </p:nvGrpSpPr>
-      <p:grpSpPr>
-        <a:xfrm>
-          <a:off x="0" y="0"/>
-          <a:ext cx="0" cy="0"/>
-          <a:chOff x="0" y="0"/>
-          <a:chExt cx="0" cy="0"/>
-        </a:xfrm>
-      </p:grpSpPr>
-      <p:sp>
-        <p:nvSpPr>
-          <p:cNvPr id="135" name="Title 1"/>
+          <p:cNvPr id="132" name="Title 1"/>
           <p:cNvSpPr txBox="1"/>
           <p:nvPr>
             <p:ph type="title"/>
@@ -3583,7 +3487,7 @@
       </p:sp>
       <p:pic>
         <p:nvPicPr>
-          <p:cNvPr id="136" name="Screenshot 2019-02-17 at 8.30.04 AM.png" descr="Screenshot 2019-02-17 at 8.30.04 AM.png"/>
+          <p:cNvPr id="133" name="Screenshot 2019-02-17 at 8.30.04 AM.png" descr="Screenshot 2019-02-17 at 8.30.04 AM.png"/>
           <p:cNvPicPr>
             <a:picLocks noChangeAspect="1"/>
           </p:cNvPicPr>
@@ -3612,7 +3516,7 @@
       </p:pic>
       <p:sp>
         <p:nvSpPr>
-          <p:cNvPr id="137" name="Importing basic modules and Natural Language Toolkit library for NLP operations. Loading one of the many datasets as a data frame."/>
+          <p:cNvPr id="134" name="Importing basic modules and Natural Language Toolkit library for NLP operations. Loading one of the many datasets as a data frame."/>
           <p:cNvSpPr txBox="1"/>
           <p:nvPr/>
         </p:nvSpPr>
@@ -3664,7 +3568,7 @@
 </p:sld>
 </file>
 
-<file path=ppt/slides/slide13.xml><?xml version="1.0" encoding="utf-8"?>
+<file path=ppt/slides/slide12.xml><?xml version="1.0" encoding="utf-8"?>
 <p:sld xmlns:a="http://schemas.openxmlformats.org/drawingml/2006/main" xmlns:r="http://schemas.openxmlformats.org/officeDocument/2006/relationships" xmlns:p="http://schemas.openxmlformats.org/presentationml/2006/main" xmlns:m="http://schemas.openxmlformats.org/officeDocument/2006/math" xmlns:a14="http://schemas.microsoft.com/office/drawing/2010/main" showMasterSp="1" showMasterPhAnim="1">
   <p:cSld>
     <p:spTree>
@@ -3683,7 +3587,7 @@
       </p:grpSpPr>
       <p:sp>
         <p:nvSpPr>
-          <p:cNvPr id="139" name="Partial Implementation"/>
+          <p:cNvPr id="136" name="Partial Implementation"/>
           <p:cNvSpPr txBox="1"/>
           <p:nvPr>
             <p:ph type="title"/>
@@ -3723,7 +3627,7 @@
       </p:sp>
       <p:pic>
         <p:nvPicPr>
-          <p:cNvPr id="140" name="Screenshot 2019-02-17 at 8.50.44 AM.png" descr="Screenshot 2019-02-17 at 8.50.44 AM.png"/>
+          <p:cNvPr id="137" name="Screenshot 2019-02-17 at 8.50.44 AM.png" descr="Screenshot 2019-02-17 at 8.50.44 AM.png"/>
           <p:cNvPicPr>
             <a:picLocks noChangeAspect="1"/>
           </p:cNvPicPr>
@@ -3752,7 +3656,7 @@
       </p:pic>
       <p:sp>
         <p:nvSpPr>
-          <p:cNvPr id="141" name="Splitting articles into array of individual sentences using builtin method sent_tokenize() of ‘nltk’ module"/>
+          <p:cNvPr id="138" name="Splitting articles into array of individual sentences using builtin method sent_tokenize() of ‘nltk’ module"/>
           <p:cNvSpPr txBox="1"/>
           <p:nvPr/>
         </p:nvSpPr>
@@ -3804,7 +3708,7 @@
 </p:sld>
 </file>
 
-<file path=ppt/slides/slide14.xml><?xml version="1.0" encoding="utf-8"?>
+<file path=ppt/slides/slide13.xml><?xml version="1.0" encoding="utf-8"?>
 <p:sld xmlns:a="http://schemas.openxmlformats.org/drawingml/2006/main" xmlns:r="http://schemas.openxmlformats.org/officeDocument/2006/relationships" xmlns:p="http://schemas.openxmlformats.org/presentationml/2006/main" xmlns:m="http://schemas.openxmlformats.org/officeDocument/2006/math" xmlns:a14="http://schemas.microsoft.com/office/drawing/2010/main" showMasterSp="1" showMasterPhAnim="1">
   <p:cSld>
     <p:spTree>
@@ -3823,7 +3727,7 @@
       </p:grpSpPr>
       <p:sp>
         <p:nvSpPr>
-          <p:cNvPr id="143" name="Title 1"/>
+          <p:cNvPr id="140" name="Title 1"/>
           <p:cNvSpPr txBox="1"/>
           <p:nvPr>
             <p:ph type="title"/>
@@ -3863,7 +3767,7 @@
       </p:sp>
       <p:pic>
         <p:nvPicPr>
-          <p:cNvPr id="144" name="Screenshot 2019-02-17 at 8.57.05 AM.png" descr="Screenshot 2019-02-17 at 8.57.05 AM.png"/>
+          <p:cNvPr id="141" name="Screenshot 2019-02-17 at 8.57.05 AM.png" descr="Screenshot 2019-02-17 at 8.57.05 AM.png"/>
           <p:cNvPicPr>
             <a:picLocks noChangeAspect="1"/>
           </p:cNvPicPr>
@@ -3892,7 +3796,7 @@
       </p:pic>
       <p:sp>
         <p:nvSpPr>
-          <p:cNvPr id="145" name="Word-embeddings are represented as GloVe (Global Vectors) which are trained on  Wikipedia 2014 dump + Gigaword 5 corpus"/>
+          <p:cNvPr id="142" name="Word-embeddings are represented as GloVe (Global Vectors) which are trained on  Wikipedia 2014 dump + Gigaword 5 corpus"/>
           <p:cNvSpPr txBox="1"/>
           <p:nvPr/>
         </p:nvSpPr>
@@ -3944,7 +3848,7 @@
 </p:sld>
 </file>
 
-<file path=ppt/slides/slide15.xml><?xml version="1.0" encoding="utf-8"?>
+<file path=ppt/slides/slide14.xml><?xml version="1.0" encoding="utf-8"?>
 <p:sld xmlns:a="http://schemas.openxmlformats.org/drawingml/2006/main" xmlns:r="http://schemas.openxmlformats.org/officeDocument/2006/relationships" xmlns:p="http://schemas.openxmlformats.org/presentationml/2006/main" xmlns:m="http://schemas.openxmlformats.org/officeDocument/2006/math" xmlns:a14="http://schemas.microsoft.com/office/drawing/2010/main" showMasterSp="1" showMasterPhAnim="1">
   <p:cSld>
     <p:spTree>
@@ -3963,7 +3867,7 @@
       </p:grpSpPr>
       <p:sp>
         <p:nvSpPr>
-          <p:cNvPr id="147" name="Title 1"/>
+          <p:cNvPr id="144" name="Title 1"/>
           <p:cNvSpPr txBox="1"/>
           <p:nvPr>
             <p:ph type="title"/>
@@ -4003,7 +3907,7 @@
       </p:sp>
       <p:sp>
         <p:nvSpPr>
-          <p:cNvPr id="148" name="Content Placeholder 2"/>
+          <p:cNvPr id="145" name="Content Placeholder 2"/>
           <p:cNvSpPr txBox="1"/>
           <p:nvPr>
             <p:ph type="body" idx="1"/>
@@ -4355,9 +4259,8 @@
         </p:spPr>
         <p:txBody>
           <a:bodyPr/>
-          <a:lstStyle/>
-          <a:p>
-            <a:pPr>
+          <a:lstStyle>
+            <a:lvl1pPr>
               <a:defRPr b="1" cap="all" spc="-100" sz="3900">
                 <a:solidFill>
                   <a:srgbClr val="C00000"/>
@@ -4367,11 +4270,13 @@
                 <a:cs typeface="Times New Roman"/>
                 <a:sym typeface="Times New Roman"/>
               </a:defRPr>
-            </a:pPr>
-            <a:r>
-              <a:t>Introduction</a:t>
-            </a:r>
-            <a:br/>
+            </a:lvl1pPr>
+          </a:lstStyle>
+          <a:p>
+            <a:pPr/>
+            <a:r>
+              <a:t>PROBLEM STATEMENT</a:t>
+            </a:r>
           </a:p>
         </p:txBody>
       </p:sp>
@@ -4408,7 +4313,7 @@
               </a:defRPr>
             </a:pPr>
             <a:r>
-              <a:t> A summary is a text that is produced from a text document, that    conveys important information of it, in a shorter length.</a:t>
+              <a:t> There are existing summarisers act directly on the entire sentences even if it is not required. We address the same by using sentence compression techniques and then feeding it to the algorithm.</a:t>
             </a:r>
           </a:p>
           <a:p>
@@ -4423,9 +4328,6 @@
                 <a:sym typeface="Bookman Old Style"/>
               </a:defRPr>
             </a:pPr>
-            <a:r>
-              <a:t> The goal of automatic text summarization is to present the source text into a shorter version with semantics.</a:t>
-            </a:r>
           </a:p>
           <a:p>
             <a:pPr marL="0" indent="0">
@@ -4440,7 +4342,7 @@
               </a:defRPr>
             </a:pPr>
             <a:r>
-              <a:t> The most important advantage of using a summary is, it reduces the reading time.</a:t>
+              <a:t> Existing applications either use Sentence-Feature Extraction techniques or use Semantic Analysis method. Combining them would improvise the performance of the summariser.</a:t>
             </a:r>
           </a:p>
         </p:txBody>
@@ -4482,7 +4384,7 @@
         <p:spPr>
           <a:xfrm>
             <a:off x="838200" y="365125"/>
-            <a:ext cx="10515600" cy="1325563"/>
+            <a:ext cx="10515600" cy="1034414"/>
           </a:xfrm>
           <a:prstGeom prst="rect">
             <a:avLst/>
@@ -4492,7 +4394,7 @@
           <a:bodyPr/>
           <a:lstStyle>
             <a:lvl1pPr>
-              <a:defRPr b="1" cap="all" spc="-100" sz="3900">
+              <a:defRPr b="1" sz="4000">
                 <a:solidFill>
                   <a:srgbClr val="C00000"/>
                 </a:solidFill>
@@ -4506,78 +4408,40 @@
           <a:p>
             <a:pPr/>
             <a:r>
-              <a:t>PROBLEM STATEMENT</a:t>
+              <a:t>DESIGN SPECIFICATION ANALYSIS</a:t>
             </a:r>
           </a:p>
         </p:txBody>
       </p:sp>
-      <p:sp>
-        <p:nvSpPr>
-          <p:cNvPr id="112" name="Content Placeholder 2"/>
-          <p:cNvSpPr txBox="1"/>
-          <p:nvPr>
-            <p:ph type="body" idx="1"/>
-          </p:nvPr>
-        </p:nvSpPr>
+      <p:pic>
+        <p:nvPicPr>
+          <p:cNvPr id="112" name="LSTM process diagram.png" descr="LSTM process diagram.png"/>
+          <p:cNvPicPr>
+            <a:picLocks noChangeAspect="1"/>
+          </p:cNvPicPr>
+          <p:nvPr/>
+        </p:nvPicPr>
+        <p:blipFill>
+          <a:blip r:embed="rId2">
+            <a:extLst/>
+          </a:blip>
+          <a:stretch>
+            <a:fillRect/>
+          </a:stretch>
+        </p:blipFill>
         <p:spPr>
           <a:xfrm>
-            <a:off x="838200" y="1825625"/>
-            <a:ext cx="10515600" cy="4351338"/>
+            <a:off x="2362438" y="1510036"/>
+            <a:ext cx="7467123" cy="4799180"/>
           </a:xfrm>
           <a:prstGeom prst="rect">
             <a:avLst/>
           </a:prstGeom>
+          <a:ln w="12700">
+            <a:miter lim="400000"/>
+          </a:ln>
         </p:spPr>
-        <p:txBody>
-          <a:bodyPr/>
-          <a:lstStyle/>
-          <a:p>
-            <a:pPr marL="0" indent="0">
-              <a:spcBef>
-                <a:spcPts val="600"/>
-              </a:spcBef>
-              <a:defRPr sz="2400">
-                <a:latin typeface="Bookman Old Style"/>
-                <a:ea typeface="Bookman Old Style"/>
-                <a:cs typeface="Bookman Old Style"/>
-                <a:sym typeface="Bookman Old Style"/>
-              </a:defRPr>
-            </a:pPr>
-            <a:r>
-              <a:t> There are existing summarisers act directly on the entire sentences even if it is not required. We address the same by using sentence compression techniques and then feeding it to the algorithm.</a:t>
-            </a:r>
-          </a:p>
-          <a:p>
-            <a:pPr marL="0" indent="0">
-              <a:spcBef>
-                <a:spcPts val="600"/>
-              </a:spcBef>
-              <a:defRPr sz="2400">
-                <a:latin typeface="Bookman Old Style"/>
-                <a:ea typeface="Bookman Old Style"/>
-                <a:cs typeface="Bookman Old Style"/>
-                <a:sym typeface="Bookman Old Style"/>
-              </a:defRPr>
-            </a:pPr>
-          </a:p>
-          <a:p>
-            <a:pPr marL="0" indent="0">
-              <a:spcBef>
-                <a:spcPts val="600"/>
-              </a:spcBef>
-              <a:defRPr sz="2400">
-                <a:latin typeface="Bookman Old Style"/>
-                <a:ea typeface="Bookman Old Style"/>
-                <a:cs typeface="Bookman Old Style"/>
-                <a:sym typeface="Bookman Old Style"/>
-              </a:defRPr>
-            </a:pPr>
-            <a:r>
-              <a:t> Existing applications either use Sentence-Feature Extraction techniques or use Semantic Analysis method. Combining them would improvise the performance of the summariser.</a:t>
-            </a:r>
-          </a:p>
-        </p:txBody>
-      </p:sp>
+      </p:pic>
     </p:spTree>
   </p:cSld>
   <p:clrMapOvr>
@@ -4615,7 +4479,7 @@
         <p:spPr>
           <a:xfrm>
             <a:off x="838200" y="365125"/>
-            <a:ext cx="10515600" cy="1034414"/>
+            <a:ext cx="10515600" cy="1325563"/>
           </a:xfrm>
           <a:prstGeom prst="rect">
             <a:avLst/>
@@ -4639,14 +4503,14 @@
           <a:p>
             <a:pPr/>
             <a:r>
-              <a:t>DESIGN SPECIFICATION ANALYSIS</a:t>
+              <a:t>COMPONENT DIAGRAM</a:t>
             </a:r>
           </a:p>
         </p:txBody>
       </p:sp>
       <p:pic>
         <p:nvPicPr>
-          <p:cNvPr id="115" name="LSTM process diagram.png" descr="LSTM process diagram.png"/>
+          <p:cNvPr id="115" name="Content Placeholder 3" descr="Content Placeholder 3"/>
           <p:cNvPicPr>
             <a:picLocks noChangeAspect="1"/>
           </p:cNvPicPr>
@@ -4662,8 +4526,8 @@
         </p:blipFill>
         <p:spPr>
           <a:xfrm>
-            <a:off x="2362438" y="1510036"/>
-            <a:ext cx="7467123" cy="4799180"/>
+            <a:off x="1556383" y="1755419"/>
+            <a:ext cx="9079233" cy="4351660"/>
           </a:xfrm>
           <a:prstGeom prst="rect">
             <a:avLst/>
@@ -4701,7 +4565,7 @@
       </p:grpSpPr>
       <p:sp>
         <p:nvSpPr>
-          <p:cNvPr id="117" name="Title 1"/>
+          <p:cNvPr id="117" name="TEXT RANK ALGORITHM"/>
           <p:cNvSpPr txBox="1"/>
           <p:nvPr>
             <p:ph type="title"/>
@@ -4709,8 +4573,8 @@
         </p:nvSpPr>
         <p:spPr>
           <a:xfrm>
-            <a:off x="838200" y="365125"/>
-            <a:ext cx="10515600" cy="1325563"/>
+            <a:off x="838200" y="190072"/>
+            <a:ext cx="10515600" cy="1238360"/>
           </a:xfrm>
           <a:prstGeom prst="rect">
             <a:avLst/>
@@ -4734,14 +4598,14 @@
           <a:p>
             <a:pPr/>
             <a:r>
-              <a:t>COMPONENT DIAGRAM</a:t>
+              <a:t>TEXT RANK ALGORITHM</a:t>
             </a:r>
           </a:p>
         </p:txBody>
       </p:sp>
       <p:pic>
         <p:nvPicPr>
-          <p:cNvPr id="118" name="Content Placeholder 3" descr="Content Placeholder 3"/>
+          <p:cNvPr id="118" name="Image" descr="Image"/>
           <p:cNvPicPr>
             <a:picLocks noChangeAspect="1"/>
           </p:cNvPicPr>
@@ -4757,8 +4621,8 @@
         </p:blipFill>
         <p:spPr>
           <a:xfrm>
-            <a:off x="1556383" y="1755419"/>
-            <a:ext cx="9079233" cy="4351660"/>
+            <a:off x="3435348" y="1327892"/>
+            <a:ext cx="5321302" cy="5207004"/>
           </a:xfrm>
           <a:prstGeom prst="rect">
             <a:avLst/>
@@ -4796,7 +4660,7 @@
       </p:grpSpPr>
       <p:sp>
         <p:nvSpPr>
-          <p:cNvPr id="120" name="TEXT RANK ALGORITHM"/>
+          <p:cNvPr id="120" name="LSTM ( Long Short-term Memory )"/>
           <p:cNvSpPr txBox="1"/>
           <p:nvPr>
             <p:ph type="title"/>
@@ -4804,8 +4668,8 @@
         </p:nvSpPr>
         <p:spPr>
           <a:xfrm>
-            <a:off x="838200" y="190072"/>
-            <a:ext cx="10515600" cy="1238360"/>
+            <a:off x="498883" y="189616"/>
+            <a:ext cx="10515601" cy="1325564"/>
           </a:xfrm>
           <a:prstGeom prst="rect">
             <a:avLst/>
@@ -4829,7 +4693,7 @@
           <a:p>
             <a:pPr/>
             <a:r>
-              <a:t>TEXT RANK ALGORITHM</a:t>
+              <a:t>LSTM (Long Short-term Memory) Model</a:t>
             </a:r>
           </a:p>
         </p:txBody>
@@ -4852,8 +4716,8 @@
         </p:blipFill>
         <p:spPr>
           <a:xfrm>
-            <a:off x="3435348" y="1327892"/>
-            <a:ext cx="5321302" cy="5207004"/>
+            <a:off x="1194856" y="1509369"/>
+            <a:ext cx="9802288" cy="4518036"/>
           </a:xfrm>
           <a:prstGeom prst="rect">
             <a:avLst/>
@@ -4891,7 +4755,7 @@
       </p:grpSpPr>
       <p:sp>
         <p:nvSpPr>
-          <p:cNvPr id="123" name="LSTM ( Long Short-term Memory )"/>
+          <p:cNvPr id="123" name="BLOCK DIAGRAM"/>
           <p:cNvSpPr txBox="1"/>
           <p:nvPr>
             <p:ph type="title"/>
@@ -4899,8 +4763,8 @@
         </p:nvSpPr>
         <p:spPr>
           <a:xfrm>
-            <a:off x="498883" y="189616"/>
-            <a:ext cx="10515601" cy="1325564"/>
+            <a:off x="838200" y="130473"/>
+            <a:ext cx="10515600" cy="1257463"/>
           </a:xfrm>
           <a:prstGeom prst="rect">
             <a:avLst/>
@@ -4910,7 +4774,7 @@
           <a:bodyPr/>
           <a:lstStyle>
             <a:lvl1pPr>
-              <a:defRPr b="1" sz="4000">
+              <a:defRPr b="1" cap="all" spc="-100" sz="3900">
                 <a:solidFill>
                   <a:srgbClr val="C00000"/>
                 </a:solidFill>
@@ -4924,14 +4788,14 @@
           <a:p>
             <a:pPr/>
             <a:r>
-              <a:t>LSTM (Long Short-term Memory) Model</a:t>
+              <a:t>BLOCK DIAGRAM</a:t>
             </a:r>
           </a:p>
         </p:txBody>
       </p:sp>
       <p:pic>
         <p:nvPicPr>
-          <p:cNvPr id="124" name="Image" descr="Image"/>
+          <p:cNvPr id="124" name="Screenshot 2019-02-15 at 2.36.06 PM.png" descr="Screenshot 2019-02-15 at 2.36.06 PM.png"/>
           <p:cNvPicPr>
             <a:picLocks noChangeAspect="1"/>
           </p:cNvPicPr>
@@ -4947,8 +4811,8 @@
         </p:blipFill>
         <p:spPr>
           <a:xfrm>
-            <a:off x="1194856" y="1509369"/>
-            <a:ext cx="9802288" cy="4518036"/>
+            <a:off x="2085994" y="1659277"/>
+            <a:ext cx="8020011" cy="4682002"/>
           </a:xfrm>
           <a:prstGeom prst="rect">
             <a:avLst/>
@@ -5019,14 +4883,14 @@
           <a:p>
             <a:pPr/>
             <a:r>
-              <a:t>BLOCK DIAGRAM</a:t>
+              <a:t>Singular Value decomposition</a:t>
             </a:r>
           </a:p>
         </p:txBody>
       </p:sp>
       <p:pic>
         <p:nvPicPr>
-          <p:cNvPr id="127" name="Screenshot 2019-02-15 at 2.36.06 PM.png" descr="Screenshot 2019-02-15 at 2.36.06 PM.png"/>
+          <p:cNvPr id="127" name="Screenshot 2019-02-18 at 7.58.50 AM.png" descr="Screenshot 2019-02-18 at 7.58.50 AM.png"/>
           <p:cNvPicPr>
             <a:picLocks noChangeAspect="1"/>
           </p:cNvPicPr>
@@ -5042,8 +4906,8 @@
         </p:blipFill>
         <p:spPr>
           <a:xfrm>
-            <a:off x="2085994" y="1659277"/>
-            <a:ext cx="8020011" cy="4682002"/>
+            <a:off x="1180658" y="1708557"/>
+            <a:ext cx="9442737" cy="3440886"/>
           </a:xfrm>
           <a:prstGeom prst="rect">
             <a:avLst/>
